--- a/클래스다이어그램.pptx
+++ b/클래스다이어그램.pptx
@@ -117,18 +117,18 @@
   <pc:docChgLst>
     <pc:chgData name="김 용준" userId="38b4e980537d537a" providerId="LiveId" clId="{9A85492B-ED21-4B1C-95F7-B4F6110CE55B}"/>
     <pc:docChg chg="custSel modSld">
-      <pc:chgData name="김 용준" userId="38b4e980537d537a" providerId="LiveId" clId="{9A85492B-ED21-4B1C-95F7-B4F6110CE55B}" dt="2022-01-23T07:18:36.921" v="155" actId="1076"/>
+      <pc:chgData name="김 용준" userId="38b4e980537d537a" providerId="LiveId" clId="{9A85492B-ED21-4B1C-95F7-B4F6110CE55B}" dt="2022-01-28T05:28:35.982" v="159" actId="1076"/>
       <pc:docMkLst>
         <pc:docMk/>
       </pc:docMkLst>
       <pc:sldChg chg="addSp delSp modSp mod">
-        <pc:chgData name="김 용준" userId="38b4e980537d537a" providerId="LiveId" clId="{9A85492B-ED21-4B1C-95F7-B4F6110CE55B}" dt="2022-01-23T07:18:36.921" v="155" actId="1076"/>
+        <pc:chgData name="김 용준" userId="38b4e980537d537a" providerId="LiveId" clId="{9A85492B-ED21-4B1C-95F7-B4F6110CE55B}" dt="2022-01-28T05:28:35.982" v="159" actId="1076"/>
         <pc:sldMkLst>
           <pc:docMk/>
           <pc:sldMk cId="1938182450" sldId="256"/>
         </pc:sldMkLst>
         <pc:spChg chg="mod">
-          <ac:chgData name="김 용준" userId="38b4e980537d537a" providerId="LiveId" clId="{9A85492B-ED21-4B1C-95F7-B4F6110CE55B}" dt="2022-01-23T03:09:28.790" v="130" actId="14100"/>
+          <ac:chgData name="김 용준" userId="38b4e980537d537a" providerId="LiveId" clId="{9A85492B-ED21-4B1C-95F7-B4F6110CE55B}" dt="2022-01-28T05:28:35.982" v="159" actId="1076"/>
           <ac:spMkLst>
             <pc:docMk/>
             <pc:sldMk cId="1938182450" sldId="256"/>
@@ -136,15 +136,15 @@
           </ac:spMkLst>
         </pc:spChg>
         <pc:spChg chg="mod">
-          <ac:chgData name="김 용준" userId="38b4e980537d537a" providerId="LiveId" clId="{9A85492B-ED21-4B1C-95F7-B4F6110CE55B}" dt="2022-01-23T07:18:36.921" v="155" actId="1076"/>
+          <ac:chgData name="김 용준" userId="38b4e980537d537a" providerId="LiveId" clId="{9A85492B-ED21-4B1C-95F7-B4F6110CE55B}" dt="2022-01-28T05:28:35.982" v="159" actId="1076"/>
           <ac:spMkLst>
             <pc:docMk/>
             <pc:sldMk cId="1938182450" sldId="256"/>
             <ac:spMk id="6" creationId="{B539B1F4-E911-49AB-99D4-B83FD8BA024E}"/>
           </ac:spMkLst>
         </pc:spChg>
-        <pc:spChg chg="mod">
-          <ac:chgData name="김 용준" userId="38b4e980537d537a" providerId="LiveId" clId="{9A85492B-ED21-4B1C-95F7-B4F6110CE55B}" dt="2022-01-23T03:09:35.584" v="132" actId="1076"/>
+        <pc:spChg chg="del mod">
+          <ac:chgData name="김 용준" userId="38b4e980537d537a" providerId="LiveId" clId="{9A85492B-ED21-4B1C-95F7-B4F6110CE55B}" dt="2022-01-28T05:28:25.692" v="157" actId="478"/>
           <ac:spMkLst>
             <pc:docMk/>
             <pc:sldMk cId="1938182450" sldId="256"/>
@@ -152,7 +152,7 @@
           </ac:spMkLst>
         </pc:spChg>
         <pc:spChg chg="mod">
-          <ac:chgData name="김 용준" userId="38b4e980537d537a" providerId="LiveId" clId="{9A85492B-ED21-4B1C-95F7-B4F6110CE55B}" dt="2022-01-23T07:05:45.931" v="154" actId="20577"/>
+          <ac:chgData name="김 용준" userId="38b4e980537d537a" providerId="LiveId" clId="{9A85492B-ED21-4B1C-95F7-B4F6110CE55B}" dt="2022-01-28T05:28:35.982" v="159" actId="1076"/>
           <ac:spMkLst>
             <pc:docMk/>
             <pc:sldMk cId="1938182450" sldId="256"/>
@@ -160,15 +160,15 @@
           </ac:spMkLst>
         </pc:spChg>
         <pc:spChg chg="mod">
-          <ac:chgData name="김 용준" userId="38b4e980537d537a" providerId="LiveId" clId="{9A85492B-ED21-4B1C-95F7-B4F6110CE55B}" dt="2022-01-23T03:09:28.790" v="130" actId="14100"/>
+          <ac:chgData name="김 용준" userId="38b4e980537d537a" providerId="LiveId" clId="{9A85492B-ED21-4B1C-95F7-B4F6110CE55B}" dt="2022-01-28T05:28:35.982" v="159" actId="1076"/>
           <ac:spMkLst>
             <pc:docMk/>
             <pc:sldMk cId="1938182450" sldId="256"/>
             <ac:spMk id="11" creationId="{7C48E0CF-B7E0-40DF-94B7-C6C6C513B660}"/>
           </ac:spMkLst>
         </pc:spChg>
-        <pc:spChg chg="mod">
-          <ac:chgData name="김 용준" userId="38b4e980537d537a" providerId="LiveId" clId="{9A85492B-ED21-4B1C-95F7-B4F6110CE55B}" dt="2022-01-23T03:09:35.584" v="132" actId="1076"/>
+        <pc:spChg chg="del mod">
+          <ac:chgData name="김 용준" userId="38b4e980537d537a" providerId="LiveId" clId="{9A85492B-ED21-4B1C-95F7-B4F6110CE55B}" dt="2022-01-28T05:28:25.692" v="157" actId="478"/>
           <ac:spMkLst>
             <pc:docMk/>
             <pc:sldMk cId="1938182450" sldId="256"/>
@@ -176,7 +176,7 @@
           </ac:spMkLst>
         </pc:spChg>
         <pc:spChg chg="mod">
-          <ac:chgData name="김 용준" userId="38b4e980537d537a" providerId="LiveId" clId="{9A85492B-ED21-4B1C-95F7-B4F6110CE55B}" dt="2022-01-23T03:09:39.423" v="133" actId="1076"/>
+          <ac:chgData name="김 용준" userId="38b4e980537d537a" providerId="LiveId" clId="{9A85492B-ED21-4B1C-95F7-B4F6110CE55B}" dt="2022-01-28T05:28:35.982" v="159" actId="1076"/>
           <ac:spMkLst>
             <pc:docMk/>
             <pc:sldMk cId="1938182450" sldId="256"/>
@@ -184,7 +184,7 @@
           </ac:spMkLst>
         </pc:spChg>
         <pc:spChg chg="mod">
-          <ac:chgData name="김 용준" userId="38b4e980537d537a" providerId="LiveId" clId="{9A85492B-ED21-4B1C-95F7-B4F6110CE55B}" dt="2022-01-23T03:09:44.184" v="135" actId="1076"/>
+          <ac:chgData name="김 용준" userId="38b4e980537d537a" providerId="LiveId" clId="{9A85492B-ED21-4B1C-95F7-B4F6110CE55B}" dt="2022-01-28T05:28:35.982" v="159" actId="1076"/>
           <ac:spMkLst>
             <pc:docMk/>
             <pc:sldMk cId="1938182450" sldId="256"/>
@@ -224,7 +224,7 @@
           </ac:spMkLst>
         </pc:spChg>
         <pc:spChg chg="add mod">
-          <ac:chgData name="김 용준" userId="38b4e980537d537a" providerId="LiveId" clId="{9A85492B-ED21-4B1C-95F7-B4F6110CE55B}" dt="2022-01-23T03:09:47.063" v="136" actId="1076"/>
+          <ac:chgData name="김 용준" userId="38b4e980537d537a" providerId="LiveId" clId="{9A85492B-ED21-4B1C-95F7-B4F6110CE55B}" dt="2022-01-28T05:28:35.982" v="159" actId="1076"/>
           <ac:spMkLst>
             <pc:docMk/>
             <pc:sldMk cId="1938182450" sldId="256"/>
@@ -232,7 +232,7 @@
           </ac:spMkLst>
         </pc:spChg>
         <pc:spChg chg="add mod">
-          <ac:chgData name="김 용준" userId="38b4e980537d537a" providerId="LiveId" clId="{9A85492B-ED21-4B1C-95F7-B4F6110CE55B}" dt="2022-01-23T03:09:47.063" v="136" actId="1076"/>
+          <ac:chgData name="김 용준" userId="38b4e980537d537a" providerId="LiveId" clId="{9A85492B-ED21-4B1C-95F7-B4F6110CE55B}" dt="2022-01-28T05:28:35.982" v="159" actId="1076"/>
           <ac:spMkLst>
             <pc:docMk/>
             <pc:sldMk cId="1938182450" sldId="256"/>
@@ -400,7 +400,7 @@
           <a:p>
             <a:fld id="{3D7FD3BE-35F1-4B66-8F79-C0F6D75EB69A}" type="datetimeFigureOut">
               <a:rPr lang="ko-KR" altLang="en-US" smtClean="0"/>
-              <a:t>2022-01-23</a:t>
+              <a:t>2022-01-28</a:t>
             </a:fld>
             <a:endParaRPr lang="ko-KR" altLang="en-US"/>
           </a:p>
@@ -598,7 +598,7 @@
           <a:p>
             <a:fld id="{3D7FD3BE-35F1-4B66-8F79-C0F6D75EB69A}" type="datetimeFigureOut">
               <a:rPr lang="ko-KR" altLang="en-US" smtClean="0"/>
-              <a:t>2022-01-23</a:t>
+              <a:t>2022-01-28</a:t>
             </a:fld>
             <a:endParaRPr lang="ko-KR" altLang="en-US"/>
           </a:p>
@@ -806,7 +806,7 @@
           <a:p>
             <a:fld id="{3D7FD3BE-35F1-4B66-8F79-C0F6D75EB69A}" type="datetimeFigureOut">
               <a:rPr lang="ko-KR" altLang="en-US" smtClean="0"/>
-              <a:t>2022-01-23</a:t>
+              <a:t>2022-01-28</a:t>
             </a:fld>
             <a:endParaRPr lang="ko-KR" altLang="en-US"/>
           </a:p>
@@ -1004,7 +1004,7 @@
           <a:p>
             <a:fld id="{3D7FD3BE-35F1-4B66-8F79-C0F6D75EB69A}" type="datetimeFigureOut">
               <a:rPr lang="ko-KR" altLang="en-US" smtClean="0"/>
-              <a:t>2022-01-23</a:t>
+              <a:t>2022-01-28</a:t>
             </a:fld>
             <a:endParaRPr lang="ko-KR" altLang="en-US"/>
           </a:p>
@@ -1279,7 +1279,7 @@
           <a:p>
             <a:fld id="{3D7FD3BE-35F1-4B66-8F79-C0F6D75EB69A}" type="datetimeFigureOut">
               <a:rPr lang="ko-KR" altLang="en-US" smtClean="0"/>
-              <a:t>2022-01-23</a:t>
+              <a:t>2022-01-28</a:t>
             </a:fld>
             <a:endParaRPr lang="ko-KR" altLang="en-US"/>
           </a:p>
@@ -1544,7 +1544,7 @@
           <a:p>
             <a:fld id="{3D7FD3BE-35F1-4B66-8F79-C0F6D75EB69A}" type="datetimeFigureOut">
               <a:rPr lang="ko-KR" altLang="en-US" smtClean="0"/>
-              <a:t>2022-01-23</a:t>
+              <a:t>2022-01-28</a:t>
             </a:fld>
             <a:endParaRPr lang="ko-KR" altLang="en-US"/>
           </a:p>
@@ -1956,7 +1956,7 @@
           <a:p>
             <a:fld id="{3D7FD3BE-35F1-4B66-8F79-C0F6D75EB69A}" type="datetimeFigureOut">
               <a:rPr lang="ko-KR" altLang="en-US" smtClean="0"/>
-              <a:t>2022-01-23</a:t>
+              <a:t>2022-01-28</a:t>
             </a:fld>
             <a:endParaRPr lang="ko-KR" altLang="en-US"/>
           </a:p>
@@ -2097,7 +2097,7 @@
           <a:p>
             <a:fld id="{3D7FD3BE-35F1-4B66-8F79-C0F6D75EB69A}" type="datetimeFigureOut">
               <a:rPr lang="ko-KR" altLang="en-US" smtClean="0"/>
-              <a:t>2022-01-23</a:t>
+              <a:t>2022-01-28</a:t>
             </a:fld>
             <a:endParaRPr lang="ko-KR" altLang="en-US"/>
           </a:p>
@@ -2210,7 +2210,7 @@
           <a:p>
             <a:fld id="{3D7FD3BE-35F1-4B66-8F79-C0F6D75EB69A}" type="datetimeFigureOut">
               <a:rPr lang="ko-KR" altLang="en-US" smtClean="0"/>
-              <a:t>2022-01-23</a:t>
+              <a:t>2022-01-28</a:t>
             </a:fld>
             <a:endParaRPr lang="ko-KR" altLang="en-US"/>
           </a:p>
@@ -2521,7 +2521,7 @@
           <a:p>
             <a:fld id="{3D7FD3BE-35F1-4B66-8F79-C0F6D75EB69A}" type="datetimeFigureOut">
               <a:rPr lang="ko-KR" altLang="en-US" smtClean="0"/>
-              <a:t>2022-01-23</a:t>
+              <a:t>2022-01-28</a:t>
             </a:fld>
             <a:endParaRPr lang="ko-KR" altLang="en-US"/>
           </a:p>
@@ -2809,7 +2809,7 @@
           <a:p>
             <a:fld id="{3D7FD3BE-35F1-4B66-8F79-C0F6D75EB69A}" type="datetimeFigureOut">
               <a:rPr lang="ko-KR" altLang="en-US" smtClean="0"/>
-              <a:t>2022-01-23</a:t>
+              <a:t>2022-01-28</a:t>
             </a:fld>
             <a:endParaRPr lang="ko-KR" altLang="en-US"/>
           </a:p>
@@ -3050,7 +3050,7 @@
           <a:p>
             <a:fld id="{3D7FD3BE-35F1-4B66-8F79-C0F6D75EB69A}" type="datetimeFigureOut">
               <a:rPr lang="ko-KR" altLang="en-US" smtClean="0"/>
-              <a:t>2022-01-23</a:t>
+              <a:t>2022-01-28</a:t>
             </a:fld>
             <a:endParaRPr lang="ko-KR" altLang="en-US"/>
           </a:p>
@@ -3547,7 +3547,7 @@
         </p:nvSpPr>
         <p:spPr>
           <a:xfrm>
-            <a:off x="999067" y="1395351"/>
+            <a:off x="1785039" y="1395351"/>
             <a:ext cx="2041016" cy="1187532"/>
           </a:xfrm>
           <a:prstGeom prst="rect">
@@ -3608,7 +3608,7 @@
         </p:nvSpPr>
         <p:spPr>
           <a:xfrm>
-            <a:off x="5361711" y="1395351"/>
+            <a:off x="3984173" y="1395351"/>
             <a:ext cx="2041016" cy="1187532"/>
           </a:xfrm>
           <a:prstGeom prst="rect">
@@ -3662,10 +3662,10 @@
       </p:sp>
       <p:sp>
         <p:nvSpPr>
-          <p:cNvPr id="8" name="직사각형 7">
-            <a:extLst>
-              <a:ext uri="{FF2B5EF4-FFF2-40B4-BE49-F238E27FC236}">
-                <a16:creationId xmlns:a16="http://schemas.microsoft.com/office/drawing/2014/main" id="{209A69A8-CB1D-4230-903D-B18B5D7EED77}"/>
+          <p:cNvPr id="9" name="직사각형 8">
+            <a:extLst>
+              <a:ext uri="{FF2B5EF4-FFF2-40B4-BE49-F238E27FC236}">
+                <a16:creationId xmlns:a16="http://schemas.microsoft.com/office/drawing/2014/main" id="{112B0B24-E5C7-460A-9D32-553D6F663657}"/>
               </a:ext>
             </a:extLst>
           </p:cNvPr>
@@ -3674,7 +3674,7 @@
         </p:nvSpPr>
         <p:spPr>
           <a:xfrm>
-            <a:off x="3180389" y="1395351"/>
+            <a:off x="6183307" y="1395351"/>
             <a:ext cx="2041016" cy="1187532"/>
           </a:xfrm>
           <a:prstGeom prst="rect">
@@ -3716,7 +3716,7 @@
                   <a:sysClr val="windowText" lastClr="000000"/>
                 </a:solidFill>
               </a:rPr>
-              <a:t>Setting</a:t>
+              <a:t>Menu</a:t>
             </a:r>
             <a:endParaRPr lang="ko-KR" altLang="en-US" dirty="0">
               <a:solidFill>
@@ -3728,10 +3728,10 @@
       </p:sp>
       <p:sp>
         <p:nvSpPr>
-          <p:cNvPr id="9" name="직사각형 8">
-            <a:extLst>
-              <a:ext uri="{FF2B5EF4-FFF2-40B4-BE49-F238E27FC236}">
-                <a16:creationId xmlns:a16="http://schemas.microsoft.com/office/drawing/2014/main" id="{112B0B24-E5C7-460A-9D32-553D6F663657}"/>
+          <p:cNvPr id="11" name="직사각형 10">
+            <a:extLst>
+              <a:ext uri="{FF2B5EF4-FFF2-40B4-BE49-F238E27FC236}">
+                <a16:creationId xmlns:a16="http://schemas.microsoft.com/office/drawing/2014/main" id="{7C48E0CF-B7E0-40DF-94B7-C6C6C513B660}"/>
               </a:ext>
             </a:extLst>
           </p:cNvPr>
@@ -3740,7 +3740,205 @@
         </p:nvSpPr>
         <p:spPr>
           <a:xfrm>
-            <a:off x="7560845" y="1395351"/>
+            <a:off x="1785039" y="2719450"/>
+            <a:ext cx="2041016" cy="391885"/>
+          </a:xfrm>
+          <a:prstGeom prst="rect">
+            <a:avLst/>
+          </a:prstGeom>
+          <a:solidFill>
+            <a:schemeClr val="bg1"/>
+          </a:solidFill>
+          <a:ln>
+            <a:solidFill>
+              <a:schemeClr val="tx1"/>
+            </a:solidFill>
+          </a:ln>
+        </p:spPr>
+        <p:style>
+          <a:lnRef idx="2">
+            <a:schemeClr val="accent1">
+              <a:shade val="50000"/>
+            </a:schemeClr>
+          </a:lnRef>
+          <a:fillRef idx="1">
+            <a:schemeClr val="accent1"/>
+          </a:fillRef>
+          <a:effectRef idx="0">
+            <a:schemeClr val="accent1"/>
+          </a:effectRef>
+          <a:fontRef idx="minor">
+            <a:schemeClr val="lt1"/>
+          </a:fontRef>
+        </p:style>
+        <p:txBody>
+          <a:bodyPr rtlCol="0" anchor="ctr"/>
+          <a:lstStyle/>
+          <a:p>
+            <a:pPr algn="ctr"/>
+            <a:r>
+              <a:rPr lang="ko-KR" altLang="en-US" dirty="0">
+                <a:solidFill>
+                  <a:sysClr val="windowText" lastClr="000000"/>
+                </a:solidFill>
+              </a:rPr>
+              <a:t>흐름 관장</a:t>
+            </a:r>
+            <a:endParaRPr lang="en-US" altLang="ko-KR" dirty="0">
+              <a:solidFill>
+                <a:sysClr val="windowText" lastClr="000000"/>
+              </a:solidFill>
+            </a:endParaRPr>
+          </a:p>
+        </p:txBody>
+      </p:sp>
+      <p:sp>
+        <p:nvSpPr>
+          <p:cNvPr id="13" name="직사각형 12">
+            <a:extLst>
+              <a:ext uri="{FF2B5EF4-FFF2-40B4-BE49-F238E27FC236}">
+                <a16:creationId xmlns:a16="http://schemas.microsoft.com/office/drawing/2014/main" id="{53EC50E5-E795-4835-9AD8-2DA215A28DBE}"/>
+              </a:ext>
+            </a:extLst>
+          </p:cNvPr>
+          <p:cNvSpPr/>
+          <p:nvPr/>
+        </p:nvSpPr>
+        <p:spPr>
+          <a:xfrm>
+            <a:off x="3984173" y="2719450"/>
+            <a:ext cx="2041016" cy="391885"/>
+          </a:xfrm>
+          <a:prstGeom prst="rect">
+            <a:avLst/>
+          </a:prstGeom>
+          <a:solidFill>
+            <a:schemeClr val="bg1"/>
+          </a:solidFill>
+          <a:ln>
+            <a:solidFill>
+              <a:schemeClr val="tx1"/>
+            </a:solidFill>
+          </a:ln>
+        </p:spPr>
+        <p:style>
+          <a:lnRef idx="2">
+            <a:schemeClr val="accent1">
+              <a:shade val="50000"/>
+            </a:schemeClr>
+          </a:lnRef>
+          <a:fillRef idx="1">
+            <a:schemeClr val="accent1"/>
+          </a:fillRef>
+          <a:effectRef idx="0">
+            <a:schemeClr val="accent1"/>
+          </a:effectRef>
+          <a:fontRef idx="minor">
+            <a:schemeClr val="lt1"/>
+          </a:fontRef>
+        </p:style>
+        <p:txBody>
+          <a:bodyPr rtlCol="0" anchor="ctr"/>
+          <a:lstStyle/>
+          <a:p>
+            <a:pPr algn="ctr"/>
+            <a:r>
+              <a:rPr lang="ko-KR" altLang="en-US" dirty="0">
+                <a:solidFill>
+                  <a:sysClr val="windowText" lastClr="000000"/>
+                </a:solidFill>
+              </a:rPr>
+              <a:t>상품 선택 관장</a:t>
+            </a:r>
+            <a:endParaRPr lang="en-US" altLang="ko-KR" dirty="0">
+              <a:solidFill>
+                <a:sysClr val="windowText" lastClr="000000"/>
+              </a:solidFill>
+            </a:endParaRPr>
+          </a:p>
+        </p:txBody>
+      </p:sp>
+      <p:sp>
+        <p:nvSpPr>
+          <p:cNvPr id="14" name="직사각형 13">
+            <a:extLst>
+              <a:ext uri="{FF2B5EF4-FFF2-40B4-BE49-F238E27FC236}">
+                <a16:creationId xmlns:a16="http://schemas.microsoft.com/office/drawing/2014/main" id="{F79F10A2-6CA5-4083-8360-F6798AF700F1}"/>
+              </a:ext>
+            </a:extLst>
+          </p:cNvPr>
+          <p:cNvSpPr/>
+          <p:nvPr/>
+        </p:nvSpPr>
+        <p:spPr>
+          <a:xfrm>
+            <a:off x="6183307" y="2719450"/>
+            <a:ext cx="2041016" cy="391885"/>
+          </a:xfrm>
+          <a:prstGeom prst="rect">
+            <a:avLst/>
+          </a:prstGeom>
+          <a:solidFill>
+            <a:schemeClr val="bg1"/>
+          </a:solidFill>
+          <a:ln>
+            <a:solidFill>
+              <a:schemeClr val="tx1"/>
+            </a:solidFill>
+          </a:ln>
+        </p:spPr>
+        <p:style>
+          <a:lnRef idx="2">
+            <a:schemeClr val="accent1">
+              <a:shade val="50000"/>
+            </a:schemeClr>
+          </a:lnRef>
+          <a:fillRef idx="1">
+            <a:schemeClr val="accent1"/>
+          </a:fillRef>
+          <a:effectRef idx="0">
+            <a:schemeClr val="accent1"/>
+          </a:effectRef>
+          <a:fontRef idx="minor">
+            <a:schemeClr val="lt1"/>
+          </a:fontRef>
+        </p:style>
+        <p:txBody>
+          <a:bodyPr rtlCol="0" anchor="ctr"/>
+          <a:lstStyle/>
+          <a:p>
+            <a:pPr algn="ctr"/>
+            <a:r>
+              <a:rPr lang="ko-KR" altLang="en-US" dirty="0">
+                <a:solidFill>
+                  <a:sysClr val="windowText" lastClr="000000"/>
+                </a:solidFill>
+              </a:rPr>
+              <a:t>상품 데이터 관장</a:t>
+            </a:r>
+            <a:endParaRPr lang="en-US" altLang="ko-KR" dirty="0">
+              <a:solidFill>
+                <a:sysClr val="windowText" lastClr="000000"/>
+              </a:solidFill>
+            </a:endParaRPr>
+          </a:p>
+        </p:txBody>
+      </p:sp>
+      <p:sp>
+        <p:nvSpPr>
+          <p:cNvPr id="19" name="직사각형 18">
+            <a:extLst>
+              <a:ext uri="{FF2B5EF4-FFF2-40B4-BE49-F238E27FC236}">
+                <a16:creationId xmlns:a16="http://schemas.microsoft.com/office/drawing/2014/main" id="{451869E8-3576-4094-86CB-A7CFEEC7E792}"/>
+              </a:ext>
+            </a:extLst>
+          </p:cNvPr>
+          <p:cNvSpPr/>
+          <p:nvPr/>
+        </p:nvSpPr>
+        <p:spPr>
+          <a:xfrm>
+            <a:off x="8382441" y="1395351"/>
             <a:ext cx="2041016" cy="1187532"/>
           </a:xfrm>
           <a:prstGeom prst="rect">
@@ -3782,7 +3980,7 @@
                   <a:sysClr val="windowText" lastClr="000000"/>
                 </a:solidFill>
               </a:rPr>
-              <a:t>Menu</a:t>
+              <a:t>Pay</a:t>
             </a:r>
             <a:endParaRPr lang="ko-KR" altLang="en-US" dirty="0">
               <a:solidFill>
@@ -3794,10 +3992,10 @@
       </p:sp>
       <p:sp>
         <p:nvSpPr>
-          <p:cNvPr id="11" name="직사각형 10">
-            <a:extLst>
-              <a:ext uri="{FF2B5EF4-FFF2-40B4-BE49-F238E27FC236}">
-                <a16:creationId xmlns:a16="http://schemas.microsoft.com/office/drawing/2014/main" id="{7C48E0CF-B7E0-40DF-94B7-C6C6C513B660}"/>
+          <p:cNvPr id="20" name="직사각형 19">
+            <a:extLst>
+              <a:ext uri="{FF2B5EF4-FFF2-40B4-BE49-F238E27FC236}">
+                <a16:creationId xmlns:a16="http://schemas.microsoft.com/office/drawing/2014/main" id="{FDE896D6-9E18-41B8-BADA-8B2244B569BB}"/>
               </a:ext>
             </a:extLst>
           </p:cNvPr>
@@ -3806,345 +4004,7 @@
         </p:nvSpPr>
         <p:spPr>
           <a:xfrm>
-            <a:off x="999067" y="2719450"/>
-            <a:ext cx="2041016" cy="391885"/>
-          </a:xfrm>
-          <a:prstGeom prst="rect">
-            <a:avLst/>
-          </a:prstGeom>
-          <a:solidFill>
-            <a:schemeClr val="bg1"/>
-          </a:solidFill>
-          <a:ln>
-            <a:solidFill>
-              <a:schemeClr val="tx1"/>
-            </a:solidFill>
-          </a:ln>
-        </p:spPr>
-        <p:style>
-          <a:lnRef idx="2">
-            <a:schemeClr val="accent1">
-              <a:shade val="50000"/>
-            </a:schemeClr>
-          </a:lnRef>
-          <a:fillRef idx="1">
-            <a:schemeClr val="accent1"/>
-          </a:fillRef>
-          <a:effectRef idx="0">
-            <a:schemeClr val="accent1"/>
-          </a:effectRef>
-          <a:fontRef idx="minor">
-            <a:schemeClr val="lt1"/>
-          </a:fontRef>
-        </p:style>
-        <p:txBody>
-          <a:bodyPr rtlCol="0" anchor="ctr"/>
-          <a:lstStyle/>
-          <a:p>
-            <a:pPr algn="ctr"/>
-            <a:r>
-              <a:rPr lang="ko-KR" altLang="en-US" dirty="0">
-                <a:solidFill>
-                  <a:sysClr val="windowText" lastClr="000000"/>
-                </a:solidFill>
-              </a:rPr>
-              <a:t>흐름 관장</a:t>
-            </a:r>
-            <a:endParaRPr lang="en-US" altLang="ko-KR" dirty="0">
-              <a:solidFill>
-                <a:sysClr val="windowText" lastClr="000000"/>
-              </a:solidFill>
-            </a:endParaRPr>
-          </a:p>
-        </p:txBody>
-      </p:sp>
-      <p:sp>
-        <p:nvSpPr>
-          <p:cNvPr id="12" name="직사각형 11">
-            <a:extLst>
-              <a:ext uri="{FF2B5EF4-FFF2-40B4-BE49-F238E27FC236}">
-                <a16:creationId xmlns:a16="http://schemas.microsoft.com/office/drawing/2014/main" id="{845C3FF4-55D8-410F-A026-ADF38585E5AD}"/>
-              </a:ext>
-            </a:extLst>
-          </p:cNvPr>
-          <p:cNvSpPr/>
-          <p:nvPr/>
-        </p:nvSpPr>
-        <p:spPr>
-          <a:xfrm>
-            <a:off x="3180389" y="2719450"/>
-            <a:ext cx="2041016" cy="391885"/>
-          </a:xfrm>
-          <a:prstGeom prst="rect">
-            <a:avLst/>
-          </a:prstGeom>
-          <a:solidFill>
-            <a:schemeClr val="bg1"/>
-          </a:solidFill>
-          <a:ln>
-            <a:solidFill>
-              <a:schemeClr val="tx1"/>
-            </a:solidFill>
-          </a:ln>
-        </p:spPr>
-        <p:style>
-          <a:lnRef idx="2">
-            <a:schemeClr val="accent1">
-              <a:shade val="50000"/>
-            </a:schemeClr>
-          </a:lnRef>
-          <a:fillRef idx="1">
-            <a:schemeClr val="accent1"/>
-          </a:fillRef>
-          <a:effectRef idx="0">
-            <a:schemeClr val="accent1"/>
-          </a:effectRef>
-          <a:fontRef idx="minor">
-            <a:schemeClr val="lt1"/>
-          </a:fontRef>
-        </p:style>
-        <p:txBody>
-          <a:bodyPr rtlCol="0" anchor="ctr"/>
-          <a:lstStyle/>
-          <a:p>
-            <a:pPr algn="ctr"/>
-            <a:r>
-              <a:rPr lang="ko-KR" altLang="en-US" dirty="0" err="1">
-                <a:solidFill>
-                  <a:sysClr val="windowText" lastClr="000000"/>
-                </a:solidFill>
-              </a:rPr>
-              <a:t>키호스크</a:t>
-            </a:r>
-            <a:r>
-              <a:rPr lang="ko-KR" altLang="en-US" dirty="0">
-                <a:solidFill>
-                  <a:sysClr val="windowText" lastClr="000000"/>
-                </a:solidFill>
-              </a:rPr>
-              <a:t> 관리</a:t>
-            </a:r>
-            <a:endParaRPr lang="en-US" altLang="ko-KR" dirty="0">
-              <a:solidFill>
-                <a:sysClr val="windowText" lastClr="000000"/>
-              </a:solidFill>
-            </a:endParaRPr>
-          </a:p>
-        </p:txBody>
-      </p:sp>
-      <p:sp>
-        <p:nvSpPr>
-          <p:cNvPr id="13" name="직사각형 12">
-            <a:extLst>
-              <a:ext uri="{FF2B5EF4-FFF2-40B4-BE49-F238E27FC236}">
-                <a16:creationId xmlns:a16="http://schemas.microsoft.com/office/drawing/2014/main" id="{53EC50E5-E795-4835-9AD8-2DA215A28DBE}"/>
-              </a:ext>
-            </a:extLst>
-          </p:cNvPr>
-          <p:cNvSpPr/>
-          <p:nvPr/>
-        </p:nvSpPr>
-        <p:spPr>
-          <a:xfrm>
-            <a:off x="5361711" y="2719450"/>
-            <a:ext cx="2041016" cy="391885"/>
-          </a:xfrm>
-          <a:prstGeom prst="rect">
-            <a:avLst/>
-          </a:prstGeom>
-          <a:solidFill>
-            <a:schemeClr val="bg1"/>
-          </a:solidFill>
-          <a:ln>
-            <a:solidFill>
-              <a:schemeClr val="tx1"/>
-            </a:solidFill>
-          </a:ln>
-        </p:spPr>
-        <p:style>
-          <a:lnRef idx="2">
-            <a:schemeClr val="accent1">
-              <a:shade val="50000"/>
-            </a:schemeClr>
-          </a:lnRef>
-          <a:fillRef idx="1">
-            <a:schemeClr val="accent1"/>
-          </a:fillRef>
-          <a:effectRef idx="0">
-            <a:schemeClr val="accent1"/>
-          </a:effectRef>
-          <a:fontRef idx="minor">
-            <a:schemeClr val="lt1"/>
-          </a:fontRef>
-        </p:style>
-        <p:txBody>
-          <a:bodyPr rtlCol="0" anchor="ctr"/>
-          <a:lstStyle/>
-          <a:p>
-            <a:pPr algn="ctr"/>
-            <a:r>
-              <a:rPr lang="ko-KR" altLang="en-US" dirty="0">
-                <a:solidFill>
-                  <a:sysClr val="windowText" lastClr="000000"/>
-                </a:solidFill>
-              </a:rPr>
-              <a:t>상품 선택 관장</a:t>
-            </a:r>
-            <a:endParaRPr lang="en-US" altLang="ko-KR" dirty="0">
-              <a:solidFill>
-                <a:sysClr val="windowText" lastClr="000000"/>
-              </a:solidFill>
-            </a:endParaRPr>
-          </a:p>
-        </p:txBody>
-      </p:sp>
-      <p:sp>
-        <p:nvSpPr>
-          <p:cNvPr id="14" name="직사각형 13">
-            <a:extLst>
-              <a:ext uri="{FF2B5EF4-FFF2-40B4-BE49-F238E27FC236}">
-                <a16:creationId xmlns:a16="http://schemas.microsoft.com/office/drawing/2014/main" id="{F79F10A2-6CA5-4083-8360-F6798AF700F1}"/>
-              </a:ext>
-            </a:extLst>
-          </p:cNvPr>
-          <p:cNvSpPr/>
-          <p:nvPr/>
-        </p:nvSpPr>
-        <p:spPr>
-          <a:xfrm>
-            <a:off x="7560845" y="2719450"/>
-            <a:ext cx="2041016" cy="391885"/>
-          </a:xfrm>
-          <a:prstGeom prst="rect">
-            <a:avLst/>
-          </a:prstGeom>
-          <a:solidFill>
-            <a:schemeClr val="bg1"/>
-          </a:solidFill>
-          <a:ln>
-            <a:solidFill>
-              <a:schemeClr val="tx1"/>
-            </a:solidFill>
-          </a:ln>
-        </p:spPr>
-        <p:style>
-          <a:lnRef idx="2">
-            <a:schemeClr val="accent1">
-              <a:shade val="50000"/>
-            </a:schemeClr>
-          </a:lnRef>
-          <a:fillRef idx="1">
-            <a:schemeClr val="accent1"/>
-          </a:fillRef>
-          <a:effectRef idx="0">
-            <a:schemeClr val="accent1"/>
-          </a:effectRef>
-          <a:fontRef idx="minor">
-            <a:schemeClr val="lt1"/>
-          </a:fontRef>
-        </p:style>
-        <p:txBody>
-          <a:bodyPr rtlCol="0" anchor="ctr"/>
-          <a:lstStyle/>
-          <a:p>
-            <a:pPr algn="ctr"/>
-            <a:r>
-              <a:rPr lang="ko-KR" altLang="en-US" dirty="0">
-                <a:solidFill>
-                  <a:sysClr val="windowText" lastClr="000000"/>
-                </a:solidFill>
-              </a:rPr>
-              <a:t>상품 데이터 관장</a:t>
-            </a:r>
-            <a:endParaRPr lang="en-US" altLang="ko-KR" dirty="0">
-              <a:solidFill>
-                <a:sysClr val="windowText" lastClr="000000"/>
-              </a:solidFill>
-            </a:endParaRPr>
-          </a:p>
-        </p:txBody>
-      </p:sp>
-      <p:sp>
-        <p:nvSpPr>
-          <p:cNvPr id="19" name="직사각형 18">
-            <a:extLst>
-              <a:ext uri="{FF2B5EF4-FFF2-40B4-BE49-F238E27FC236}">
-                <a16:creationId xmlns:a16="http://schemas.microsoft.com/office/drawing/2014/main" id="{451869E8-3576-4094-86CB-A7CFEEC7E792}"/>
-              </a:ext>
-            </a:extLst>
-          </p:cNvPr>
-          <p:cNvSpPr/>
-          <p:nvPr/>
-        </p:nvSpPr>
-        <p:spPr>
-          <a:xfrm>
-            <a:off x="9759979" y="1395351"/>
-            <a:ext cx="2041016" cy="1187532"/>
-          </a:xfrm>
-          <a:prstGeom prst="rect">
-            <a:avLst/>
-          </a:prstGeom>
-          <a:solidFill>
-            <a:schemeClr val="bg1"/>
-          </a:solidFill>
-          <a:ln>
-            <a:solidFill>
-              <a:schemeClr val="tx1"/>
-            </a:solidFill>
-          </a:ln>
-        </p:spPr>
-        <p:style>
-          <a:lnRef idx="2">
-            <a:schemeClr val="accent1">
-              <a:shade val="50000"/>
-            </a:schemeClr>
-          </a:lnRef>
-          <a:fillRef idx="1">
-            <a:schemeClr val="accent1"/>
-          </a:fillRef>
-          <a:effectRef idx="0">
-            <a:schemeClr val="accent1"/>
-          </a:effectRef>
-          <a:fontRef idx="minor">
-            <a:schemeClr val="lt1"/>
-          </a:fontRef>
-        </p:style>
-        <p:txBody>
-          <a:bodyPr rtlCol="0" anchor="ctr"/>
-          <a:lstStyle/>
-          <a:p>
-            <a:pPr algn="ctr"/>
-            <a:r>
-              <a:rPr lang="en-US" altLang="ko-KR" dirty="0">
-                <a:solidFill>
-                  <a:sysClr val="windowText" lastClr="000000"/>
-                </a:solidFill>
-              </a:rPr>
-              <a:t>Pay</a:t>
-            </a:r>
-            <a:endParaRPr lang="ko-KR" altLang="en-US" dirty="0">
-              <a:solidFill>
-                <a:sysClr val="windowText" lastClr="000000"/>
-              </a:solidFill>
-            </a:endParaRPr>
-          </a:p>
-        </p:txBody>
-      </p:sp>
-      <p:sp>
-        <p:nvSpPr>
-          <p:cNvPr id="20" name="직사각형 19">
-            <a:extLst>
-              <a:ext uri="{FF2B5EF4-FFF2-40B4-BE49-F238E27FC236}">
-                <a16:creationId xmlns:a16="http://schemas.microsoft.com/office/drawing/2014/main" id="{FDE896D6-9E18-41B8-BADA-8B2244B569BB}"/>
-              </a:ext>
-            </a:extLst>
-          </p:cNvPr>
-          <p:cNvSpPr/>
-          <p:nvPr/>
-        </p:nvSpPr>
-        <p:spPr>
-          <a:xfrm>
-            <a:off x="9759979" y="2719450"/>
+            <a:off x="8382441" y="2719450"/>
             <a:ext cx="2041016" cy="391885"/>
           </a:xfrm>
           <a:prstGeom prst="rect">
